--- a/docs/assets/figures.pptx
+++ b/docs/assets/figures.pptx
@@ -105,6 +105,11 @@
       </a:defRPr>
     </a:lvl9pPr>
   </p:defaultTextStyle>
+  <p:extLst>
+    <p:ext uri="{EFAFB233-063F-42B5-8137-9DF3F51BA10A}">
+      <p15:sldGuideLst xmlns:p15="http://schemas.microsoft.com/office/powerpoint/2012/main"/>
+    </p:ext>
+  </p:extLst>
 </p:presentation>
 </file>
 
@@ -257,7 +262,7 @@
           <a:p>
             <a:fld id="{68E5FC68-90F7-7A4E-ABC3-3300AA1BEC0B}" type="datetimeFigureOut">
               <a:rPr lang="en-US" smtClean="0"/>
-              <a:t>8/18/24</a:t>
+              <a:t>8/21/24</a:t>
             </a:fld>
             <a:endParaRPr lang="en-US"/>
           </a:p>
@@ -457,7 +462,7 @@
           <a:p>
             <a:fld id="{68E5FC68-90F7-7A4E-ABC3-3300AA1BEC0B}" type="datetimeFigureOut">
               <a:rPr lang="en-US" smtClean="0"/>
-              <a:t>8/18/24</a:t>
+              <a:t>8/21/24</a:t>
             </a:fld>
             <a:endParaRPr lang="en-US"/>
           </a:p>
@@ -667,7 +672,7 @@
           <a:p>
             <a:fld id="{68E5FC68-90F7-7A4E-ABC3-3300AA1BEC0B}" type="datetimeFigureOut">
               <a:rPr lang="en-US" smtClean="0"/>
-              <a:t>8/18/24</a:t>
+              <a:t>8/21/24</a:t>
             </a:fld>
             <a:endParaRPr lang="en-US"/>
           </a:p>
@@ -867,7 +872,7 @@
           <a:p>
             <a:fld id="{68E5FC68-90F7-7A4E-ABC3-3300AA1BEC0B}" type="datetimeFigureOut">
               <a:rPr lang="en-US" smtClean="0"/>
-              <a:t>8/18/24</a:t>
+              <a:t>8/21/24</a:t>
             </a:fld>
             <a:endParaRPr lang="en-US"/>
           </a:p>
@@ -1143,7 +1148,7 @@
           <a:p>
             <a:fld id="{68E5FC68-90F7-7A4E-ABC3-3300AA1BEC0B}" type="datetimeFigureOut">
               <a:rPr lang="en-US" smtClean="0"/>
-              <a:t>8/18/24</a:t>
+              <a:t>8/21/24</a:t>
             </a:fld>
             <a:endParaRPr lang="en-US"/>
           </a:p>
@@ -1411,7 +1416,7 @@
           <a:p>
             <a:fld id="{68E5FC68-90F7-7A4E-ABC3-3300AA1BEC0B}" type="datetimeFigureOut">
               <a:rPr lang="en-US" smtClean="0"/>
-              <a:t>8/18/24</a:t>
+              <a:t>8/21/24</a:t>
             </a:fld>
             <a:endParaRPr lang="en-US"/>
           </a:p>
@@ -1826,7 +1831,7 @@
           <a:p>
             <a:fld id="{68E5FC68-90F7-7A4E-ABC3-3300AA1BEC0B}" type="datetimeFigureOut">
               <a:rPr lang="en-US" smtClean="0"/>
-              <a:t>8/18/24</a:t>
+              <a:t>8/21/24</a:t>
             </a:fld>
             <a:endParaRPr lang="en-US"/>
           </a:p>
@@ -1968,7 +1973,7 @@
           <a:p>
             <a:fld id="{68E5FC68-90F7-7A4E-ABC3-3300AA1BEC0B}" type="datetimeFigureOut">
               <a:rPr lang="en-US" smtClean="0"/>
-              <a:t>8/18/24</a:t>
+              <a:t>8/21/24</a:t>
             </a:fld>
             <a:endParaRPr lang="en-US"/>
           </a:p>
@@ -2081,7 +2086,7 @@
           <a:p>
             <a:fld id="{68E5FC68-90F7-7A4E-ABC3-3300AA1BEC0B}" type="datetimeFigureOut">
               <a:rPr lang="en-US" smtClean="0"/>
-              <a:t>8/18/24</a:t>
+              <a:t>8/21/24</a:t>
             </a:fld>
             <a:endParaRPr lang="en-US"/>
           </a:p>
@@ -2394,7 +2399,7 @@
           <a:p>
             <a:fld id="{68E5FC68-90F7-7A4E-ABC3-3300AA1BEC0B}" type="datetimeFigureOut">
               <a:rPr lang="en-US" smtClean="0"/>
-              <a:t>8/18/24</a:t>
+              <a:t>8/21/24</a:t>
             </a:fld>
             <a:endParaRPr lang="en-US"/>
           </a:p>
@@ -2683,7 +2688,7 @@
           <a:p>
             <a:fld id="{68E5FC68-90F7-7A4E-ABC3-3300AA1BEC0B}" type="datetimeFigureOut">
               <a:rPr lang="en-US" smtClean="0"/>
-              <a:t>8/18/24</a:t>
+              <a:t>8/21/24</a:t>
             </a:fld>
             <a:endParaRPr lang="en-US"/>
           </a:p>
@@ -2926,7 +2931,7 @@
           <a:p>
             <a:fld id="{68E5FC68-90F7-7A4E-ABC3-3300AA1BEC0B}" type="datetimeFigureOut">
               <a:rPr lang="en-US" smtClean="0"/>
-              <a:t>8/18/24</a:t>
+              <a:t>8/21/24</a:t>
             </a:fld>
             <a:endParaRPr lang="en-US"/>
           </a:p>
@@ -3423,12 +3428,54 @@
           </a:p>
         </p:txBody>
       </p:sp>
+      <p:sp>
+        <p:nvSpPr>
+          <p:cNvPr id="7" name="TextBox 6">
+            <a:extLst>
+              <a:ext uri="{FF2B5EF4-FFF2-40B4-BE49-F238E27FC236}">
+                <a16:creationId xmlns:a16="http://schemas.microsoft.com/office/drawing/2014/main" id="{419208F8-C01F-FD56-652E-0FA5686BD9C9}"/>
+              </a:ext>
+            </a:extLst>
+          </p:cNvPr>
+          <p:cNvSpPr txBox="1"/>
+          <p:nvPr/>
+        </p:nvSpPr>
+        <p:spPr>
+          <a:xfrm>
+            <a:off x="1292325" y="3824538"/>
+            <a:ext cx="1364775" cy="1381201"/>
+          </a:xfrm>
+          <a:prstGeom prst="rect">
+            <a:avLst/>
+          </a:prstGeom>
+          <a:noFill/>
+        </p:spPr>
+        <p:txBody>
+          <a:bodyPr wrap="none" lIns="0" tIns="0" rIns="0" bIns="0" rtlCol="0" anchor="ctr">
+            <a:noAutofit/>
+          </a:bodyPr>
+          <a:lstStyle/>
+          <a:p>
+            <a:pPr algn="ctr"/>
+            <a:r>
+              <a:rPr lang="en-US" sz="5400" b="1" dirty="0">
+                <a:solidFill>
+                  <a:srgbClr val="FF0000"/>
+                </a:solidFill>
+                <a:latin typeface="Calibri" panose="020F0502020204030204" pitchFamily="34" charset="0"/>
+                <a:cs typeface="Calibri" panose="020F0502020204030204" pitchFamily="34" charset="0"/>
+              </a:rPr>
+              <a:t>Research</a:t>
+            </a:r>
+          </a:p>
+        </p:txBody>
+      </p:sp>
       <p:grpSp>
         <p:nvGrpSpPr>
-          <p:cNvPr id="25" name="Group 24">
-            <a:extLst>
-              <a:ext uri="{FF2B5EF4-FFF2-40B4-BE49-F238E27FC236}">
-                <a16:creationId xmlns:a16="http://schemas.microsoft.com/office/drawing/2014/main" id="{515B48AD-D858-4E81-CEF3-4336F553484A}"/>
+          <p:cNvPr id="10" name="Group 9">
+            <a:extLst>
+              <a:ext uri="{FF2B5EF4-FFF2-40B4-BE49-F238E27FC236}">
+                <a16:creationId xmlns:a16="http://schemas.microsoft.com/office/drawing/2014/main" id="{928D918E-97DA-EABE-7865-89E522E9FCC5}"/>
               </a:ext>
             </a:extLst>
           </p:cNvPr>
@@ -3437,42 +3484,12 @@
         </p:nvGrpSpPr>
         <p:grpSpPr>
           <a:xfrm>
-            <a:off x="2562935" y="3125147"/>
-            <a:ext cx="7066130" cy="3186753"/>
-            <a:chOff x="2216622" y="3429000"/>
-            <a:chExt cx="7066130" cy="3186753"/>
+            <a:off x="4476000" y="4244454"/>
+            <a:ext cx="3240000" cy="1258371"/>
+            <a:chOff x="4476000" y="4244454"/>
+            <a:chExt cx="3240000" cy="1258371"/>
           </a:xfrm>
         </p:grpSpPr>
-        <p:pic>
-          <p:nvPicPr>
-            <p:cNvPr id="21" name="Picture 20" descr="A white circle with dots&#10;&#10;Description automatically generated">
-              <a:extLst>
-                <a:ext uri="{FF2B5EF4-FFF2-40B4-BE49-F238E27FC236}">
-                  <a16:creationId xmlns:a16="http://schemas.microsoft.com/office/drawing/2014/main" id="{AA4EA7EF-0362-7C00-E1D7-493563725F97}"/>
-                </a:ext>
-              </a:extLst>
-            </p:cNvPr>
-            <p:cNvPicPr>
-              <a:picLocks noChangeAspect="1"/>
-            </p:cNvPicPr>
-            <p:nvPr/>
-          </p:nvPicPr>
-          <p:blipFill>
-            <a:blip r:embed="rId2"/>
-            <a:stretch>
-              <a:fillRect/>
-            </a:stretch>
-          </p:blipFill>
-          <p:spPr>
-            <a:xfrm>
-              <a:off x="6096000" y="3429001"/>
-              <a:ext cx="3186752" cy="3186752"/>
-            </a:xfrm>
-            <a:prstGeom prst="rect">
-              <a:avLst/>
-            </a:prstGeom>
-          </p:spPr>
-        </p:pic>
         <p:pic>
           <p:nvPicPr>
             <p:cNvPr id="23" name="Picture 22" descr="A white circle with black dots&#10;&#10;Description automatically generated">
@@ -3488,67 +3505,49 @@
             <p:nvPr/>
           </p:nvPicPr>
           <p:blipFill>
-            <a:blip r:embed="rId3"/>
-            <a:stretch>
-              <a:fillRect/>
-            </a:stretch>
+            <a:blip r:embed="rId2"/>
+            <a:srcRect t="34557" b="26604"/>
+            <a:stretch/>
           </p:blipFill>
           <p:spPr>
             <a:xfrm>
-              <a:off x="2216622" y="3429000"/>
-              <a:ext cx="3186753" cy="3186753"/>
+              <a:off x="4476000" y="4244454"/>
+              <a:ext cx="3240000" cy="1258371"/>
             </a:xfrm>
             <a:prstGeom prst="rect">
               <a:avLst/>
             </a:prstGeom>
           </p:spPr>
         </p:pic>
-        <p:sp>
-          <p:nvSpPr>
-            <p:cNvPr id="24" name="Right Arrow 23">
+        <p:pic>
+          <p:nvPicPr>
+            <p:cNvPr id="9" name="Picture 8">
               <a:extLst>
                 <a:ext uri="{FF2B5EF4-FFF2-40B4-BE49-F238E27FC236}">
-                  <a16:creationId xmlns:a16="http://schemas.microsoft.com/office/drawing/2014/main" id="{D39500AC-E2A6-8F4D-9314-4C011B21EA34}"/>
+                  <a16:creationId xmlns:a16="http://schemas.microsoft.com/office/drawing/2014/main" id="{1443E7C3-F793-978F-1763-E018FAF6941F}"/>
                 </a:ext>
               </a:extLst>
             </p:cNvPr>
-            <p:cNvSpPr/>
+            <p:cNvPicPr>
+              <a:picLocks noChangeAspect="1"/>
+            </p:cNvPicPr>
             <p:nvPr/>
-          </p:nvSpPr>
+          </p:nvPicPr>
+          <p:blipFill>
+            <a:blip r:embed="rId3"/>
+            <a:srcRect l="10434" t="29927" r="9369" b="33660"/>
+            <a:stretch/>
+          </p:blipFill>
           <p:spPr>
             <a:xfrm>
-              <a:off x="5472183" y="4769892"/>
-              <a:ext cx="555009" cy="504967"/>
+              <a:off x="4476000" y="4541538"/>
+              <a:ext cx="3240000" cy="664201"/>
             </a:xfrm>
-            <a:prstGeom prst="rightArrow">
+            <a:prstGeom prst="rect">
               <a:avLst/>
             </a:prstGeom>
           </p:spPr>
-          <p:style>
-            <a:lnRef idx="2">
-              <a:schemeClr val="dk1">
-                <a:shade val="15000"/>
-              </a:schemeClr>
-            </a:lnRef>
-            <a:fillRef idx="1">
-              <a:schemeClr val="dk1"/>
-            </a:fillRef>
-            <a:effectRef idx="0">
-              <a:schemeClr val="dk1"/>
-            </a:effectRef>
-            <a:fontRef idx="minor">
-              <a:schemeClr val="lt1"/>
-            </a:fontRef>
-          </p:style>
-          <p:txBody>
-            <a:bodyPr rtlCol="0" anchor="ctr"/>
-            <a:lstStyle/>
-            <a:p>
-              <a:pPr algn="ctr"/>
-              <a:endParaRPr lang="en-US"/>
-            </a:p>
-          </p:txBody>
-        </p:sp>
+        </p:pic>
       </p:grpSp>
     </p:spTree>
     <p:extLst>

--- a/docs/assets/figures.pptx
+++ b/docs/assets/figures.pptx
@@ -7,6 +7,7 @@
   <p:sldIdLst>
     <p:sldId id="256" r:id="rId2"/>
     <p:sldId id="258" r:id="rId3"/>
+    <p:sldId id="259" r:id="rId4"/>
   </p:sldIdLst>
   <p:sldSz cx="12192000" cy="6858000"/>
   <p:notesSz cx="6858000" cy="9144000"/>
@@ -262,7 +263,7 @@
           <a:p>
             <a:fld id="{68E5FC68-90F7-7A4E-ABC3-3300AA1BEC0B}" type="datetimeFigureOut">
               <a:rPr lang="en-US" smtClean="0"/>
-              <a:t>8/21/24</a:t>
+              <a:t>9/6/24</a:t>
             </a:fld>
             <a:endParaRPr lang="en-US"/>
           </a:p>
@@ -462,7 +463,7 @@
           <a:p>
             <a:fld id="{68E5FC68-90F7-7A4E-ABC3-3300AA1BEC0B}" type="datetimeFigureOut">
               <a:rPr lang="en-US" smtClean="0"/>
-              <a:t>8/21/24</a:t>
+              <a:t>9/6/24</a:t>
             </a:fld>
             <a:endParaRPr lang="en-US"/>
           </a:p>
@@ -672,7 +673,7 @@
           <a:p>
             <a:fld id="{68E5FC68-90F7-7A4E-ABC3-3300AA1BEC0B}" type="datetimeFigureOut">
               <a:rPr lang="en-US" smtClean="0"/>
-              <a:t>8/21/24</a:t>
+              <a:t>9/6/24</a:t>
             </a:fld>
             <a:endParaRPr lang="en-US"/>
           </a:p>
@@ -872,7 +873,7 @@
           <a:p>
             <a:fld id="{68E5FC68-90F7-7A4E-ABC3-3300AA1BEC0B}" type="datetimeFigureOut">
               <a:rPr lang="en-US" smtClean="0"/>
-              <a:t>8/21/24</a:t>
+              <a:t>9/6/24</a:t>
             </a:fld>
             <a:endParaRPr lang="en-US"/>
           </a:p>
@@ -1148,7 +1149,7 @@
           <a:p>
             <a:fld id="{68E5FC68-90F7-7A4E-ABC3-3300AA1BEC0B}" type="datetimeFigureOut">
               <a:rPr lang="en-US" smtClean="0"/>
-              <a:t>8/21/24</a:t>
+              <a:t>9/6/24</a:t>
             </a:fld>
             <a:endParaRPr lang="en-US"/>
           </a:p>
@@ -1416,7 +1417,7 @@
           <a:p>
             <a:fld id="{68E5FC68-90F7-7A4E-ABC3-3300AA1BEC0B}" type="datetimeFigureOut">
               <a:rPr lang="en-US" smtClean="0"/>
-              <a:t>8/21/24</a:t>
+              <a:t>9/6/24</a:t>
             </a:fld>
             <a:endParaRPr lang="en-US"/>
           </a:p>
@@ -1831,7 +1832,7 @@
           <a:p>
             <a:fld id="{68E5FC68-90F7-7A4E-ABC3-3300AA1BEC0B}" type="datetimeFigureOut">
               <a:rPr lang="en-US" smtClean="0"/>
-              <a:t>8/21/24</a:t>
+              <a:t>9/6/24</a:t>
             </a:fld>
             <a:endParaRPr lang="en-US"/>
           </a:p>
@@ -1973,7 +1974,7 @@
           <a:p>
             <a:fld id="{68E5FC68-90F7-7A4E-ABC3-3300AA1BEC0B}" type="datetimeFigureOut">
               <a:rPr lang="en-US" smtClean="0"/>
-              <a:t>8/21/24</a:t>
+              <a:t>9/6/24</a:t>
             </a:fld>
             <a:endParaRPr lang="en-US"/>
           </a:p>
@@ -2086,7 +2087,7 @@
           <a:p>
             <a:fld id="{68E5FC68-90F7-7A4E-ABC3-3300AA1BEC0B}" type="datetimeFigureOut">
               <a:rPr lang="en-US" smtClean="0"/>
-              <a:t>8/21/24</a:t>
+              <a:t>9/6/24</a:t>
             </a:fld>
             <a:endParaRPr lang="en-US"/>
           </a:p>
@@ -2399,7 +2400,7 @@
           <a:p>
             <a:fld id="{68E5FC68-90F7-7A4E-ABC3-3300AA1BEC0B}" type="datetimeFigureOut">
               <a:rPr lang="en-US" smtClean="0"/>
-              <a:t>8/21/24</a:t>
+              <a:t>9/6/24</a:t>
             </a:fld>
             <a:endParaRPr lang="en-US"/>
           </a:p>
@@ -2688,7 +2689,7 @@
           <a:p>
             <a:fld id="{68E5FC68-90F7-7A4E-ABC3-3300AA1BEC0B}" type="datetimeFigureOut">
               <a:rPr lang="en-US" smtClean="0"/>
-              <a:t>8/21/24</a:t>
+              <a:t>9/6/24</a:t>
             </a:fld>
             <a:endParaRPr lang="en-US"/>
           </a:p>
@@ -2931,7 +2932,7 @@
           <a:p>
             <a:fld id="{68E5FC68-90F7-7A4E-ABC3-3300AA1BEC0B}" type="datetimeFigureOut">
               <a:rPr lang="en-US" smtClean="0"/>
-              <a:t>8/21/24</a:t>
+              <a:t>9/6/24</a:t>
             </a:fld>
             <a:endParaRPr lang="en-US"/>
           </a:p>
@@ -3855,6 +3856,710 @@
     <p:extLst>
       <p:ext uri="{BB962C8B-B14F-4D97-AF65-F5344CB8AC3E}">
         <p14:creationId xmlns:p14="http://schemas.microsoft.com/office/powerpoint/2010/main" val="2155713811"/>
+      </p:ext>
+    </p:extLst>
+  </p:cSld>
+  <p:clrMapOvr>
+    <a:masterClrMapping/>
+  </p:clrMapOvr>
+</p:sld>
+</file>
+
+<file path=ppt/slides/slide3.xml><?xml version="1.0" encoding="utf-8"?>
+<p:sld xmlns:a="http://schemas.openxmlformats.org/drawingml/2006/main" xmlns:r="http://schemas.openxmlformats.org/officeDocument/2006/relationships" xmlns:p="http://schemas.openxmlformats.org/presentationml/2006/main">
+  <p:cSld>
+    <p:spTree>
+      <p:nvGrpSpPr>
+        <p:cNvPr id="1" name=""/>
+        <p:cNvGrpSpPr/>
+        <p:nvPr/>
+      </p:nvGrpSpPr>
+      <p:grpSpPr>
+        <a:xfrm>
+          <a:off x="0" y="0"/>
+          <a:ext cx="0" cy="0"/>
+          <a:chOff x="0" y="0"/>
+          <a:chExt cx="0" cy="0"/>
+        </a:xfrm>
+      </p:grpSpPr>
+      <p:sp>
+        <p:nvSpPr>
+          <p:cNvPr id="2" name="Title 1">
+            <a:extLst>
+              <a:ext uri="{FF2B5EF4-FFF2-40B4-BE49-F238E27FC236}">
+                <a16:creationId xmlns:a16="http://schemas.microsoft.com/office/drawing/2014/main" id="{773BAD15-77CC-A93C-CE64-5A4E929F3E2B}"/>
+              </a:ext>
+            </a:extLst>
+          </p:cNvPr>
+          <p:cNvSpPr>
+            <a:spLocks noGrp="1"/>
+          </p:cNvSpPr>
+          <p:nvPr>
+            <p:ph type="title"/>
+          </p:nvPr>
+        </p:nvSpPr>
+        <p:spPr/>
+        <p:txBody>
+          <a:bodyPr/>
+          <a:lstStyle/>
+          <a:p>
+            <a:r>
+              <a:rPr lang="en-US" dirty="0"/>
+              <a:t>README image</a:t>
+            </a:r>
+          </a:p>
+        </p:txBody>
+      </p:sp>
+      <p:sp>
+        <p:nvSpPr>
+          <p:cNvPr id="3" name="Content Placeholder 2">
+            <a:extLst>
+              <a:ext uri="{FF2B5EF4-FFF2-40B4-BE49-F238E27FC236}">
+                <a16:creationId xmlns:a16="http://schemas.microsoft.com/office/drawing/2014/main" id="{DC2548C1-F065-71B8-B8F8-659B06F1EBF7}"/>
+              </a:ext>
+            </a:extLst>
+          </p:cNvPr>
+          <p:cNvSpPr>
+            <a:spLocks noGrp="1"/>
+          </p:cNvSpPr>
+          <p:nvPr>
+            <p:ph idx="1"/>
+          </p:nvPr>
+        </p:nvSpPr>
+        <p:spPr/>
+        <p:txBody>
+          <a:bodyPr/>
+          <a:lstStyle/>
+          <a:p>
+            <a:r>
+              <a:rPr lang="en-US" sz="2000" dirty="0"/>
+              <a:t>An image used for the main README.</a:t>
+            </a:r>
+          </a:p>
+          <a:p>
+            <a:r>
+              <a:rPr lang="en-US" sz="2000" dirty="0"/>
+              <a:t>Save as “</a:t>
+            </a:r>
+            <a:r>
+              <a:rPr lang="en-US" sz="2000" dirty="0" err="1"/>
+              <a:t>explanation.png</a:t>
+            </a:r>
+            <a:r>
+              <a:rPr lang="en-US" sz="2000" dirty="0"/>
+              <a:t>” in the assets folder of the project documentation</a:t>
+            </a:r>
+            <a:endParaRPr lang="en-US" dirty="0"/>
+          </a:p>
+        </p:txBody>
+      </p:sp>
+      <p:grpSp>
+        <p:nvGrpSpPr>
+          <p:cNvPr id="21" name="Group 20">
+            <a:extLst>
+              <a:ext uri="{FF2B5EF4-FFF2-40B4-BE49-F238E27FC236}">
+                <a16:creationId xmlns:a16="http://schemas.microsoft.com/office/drawing/2014/main" id="{80E1C591-2200-FAE6-4458-396FE88B5830}"/>
+              </a:ext>
+            </a:extLst>
+          </p:cNvPr>
+          <p:cNvGrpSpPr/>
+          <p:nvPr/>
+        </p:nvGrpSpPr>
+        <p:grpSpPr>
+          <a:xfrm>
+            <a:off x="1366024" y="1588741"/>
+            <a:ext cx="10231244" cy="4287952"/>
+            <a:chOff x="1366024" y="1588741"/>
+            <a:chExt cx="10231244" cy="4287952"/>
+          </a:xfrm>
+        </p:grpSpPr>
+        <p:grpSp>
+          <p:nvGrpSpPr>
+            <p:cNvPr id="4" name="Group 3">
+              <a:extLst>
+                <a:ext uri="{FF2B5EF4-FFF2-40B4-BE49-F238E27FC236}">
+                  <a16:creationId xmlns:a16="http://schemas.microsoft.com/office/drawing/2014/main" id="{D6536017-B82D-C5F6-E81C-E0C11FA03985}"/>
+                </a:ext>
+              </a:extLst>
+            </p:cNvPr>
+            <p:cNvGrpSpPr/>
+            <p:nvPr/>
+          </p:nvGrpSpPr>
+          <p:grpSpPr>
+            <a:xfrm>
+              <a:off x="1366024" y="2977374"/>
+              <a:ext cx="9459952" cy="2899319"/>
+              <a:chOff x="230459" y="1193180"/>
+              <a:chExt cx="9459952" cy="2899319"/>
+            </a:xfrm>
+          </p:grpSpPr>
+          <p:sp>
+            <p:nvSpPr>
+              <p:cNvPr id="5" name="Rounded Rectangle 4">
+                <a:extLst>
+                  <a:ext uri="{FF2B5EF4-FFF2-40B4-BE49-F238E27FC236}">
+                    <a16:creationId xmlns:a16="http://schemas.microsoft.com/office/drawing/2014/main" id="{3116D898-AED9-0717-B655-1199B7484F10}"/>
+                  </a:ext>
+                </a:extLst>
+              </p:cNvPr>
+              <p:cNvSpPr/>
+              <p:nvPr/>
+            </p:nvSpPr>
+            <p:spPr>
+              <a:xfrm>
+                <a:off x="230459" y="1193181"/>
+                <a:ext cx="5579325" cy="2899318"/>
+              </a:xfrm>
+              <a:prstGeom prst="roundRect">
+                <a:avLst>
+                  <a:gd name="adj" fmla="val 7016"/>
+                </a:avLst>
+              </a:prstGeom>
+              <a:noFill/>
+              <a:ln>
+                <a:solidFill>
+                  <a:schemeClr val="tx1"/>
+                </a:solidFill>
+                <a:prstDash val="dash"/>
+              </a:ln>
+            </p:spPr>
+            <p:style>
+              <a:lnRef idx="2">
+                <a:schemeClr val="accent1">
+                  <a:shade val="15000"/>
+                </a:schemeClr>
+              </a:lnRef>
+              <a:fillRef idx="1">
+                <a:schemeClr val="accent1"/>
+              </a:fillRef>
+              <a:effectRef idx="0">
+                <a:schemeClr val="accent1"/>
+              </a:effectRef>
+              <a:fontRef idx="minor">
+                <a:schemeClr val="lt1"/>
+              </a:fontRef>
+            </p:style>
+            <p:txBody>
+              <a:bodyPr rtlCol="0" anchor="b"/>
+              <a:lstStyle/>
+              <a:p>
+                <a:pPr algn="r"/>
+                <a:r>
+                  <a:rPr lang="en-US" dirty="0">
+                    <a:solidFill>
+                      <a:schemeClr val="tx1"/>
+                    </a:solidFill>
+                  </a:rPr>
+                  <a:t>IP Address</a:t>
+                </a:r>
+              </a:p>
+            </p:txBody>
+          </p:sp>
+          <p:sp>
+            <p:nvSpPr>
+              <p:cNvPr id="6" name="Rectangle 5">
+                <a:extLst>
+                  <a:ext uri="{FF2B5EF4-FFF2-40B4-BE49-F238E27FC236}">
+                    <a16:creationId xmlns:a16="http://schemas.microsoft.com/office/drawing/2014/main" id="{3304E0AA-B4E7-9C06-1454-6BCC32C99DDE}"/>
+                  </a:ext>
+                </a:extLst>
+              </p:cNvPr>
+              <p:cNvSpPr/>
+              <p:nvPr/>
+            </p:nvSpPr>
+            <p:spPr>
+              <a:xfrm>
+                <a:off x="3278459" y="2163337"/>
+                <a:ext cx="1784196" cy="959003"/>
+              </a:xfrm>
+              <a:prstGeom prst="rect">
+                <a:avLst/>
+              </a:prstGeom>
+            </p:spPr>
+            <p:style>
+              <a:lnRef idx="2">
+                <a:schemeClr val="accent1">
+                  <a:shade val="15000"/>
+                </a:schemeClr>
+              </a:lnRef>
+              <a:fillRef idx="1">
+                <a:schemeClr val="accent1"/>
+              </a:fillRef>
+              <a:effectRef idx="0">
+                <a:schemeClr val="accent1"/>
+              </a:effectRef>
+              <a:fontRef idx="minor">
+                <a:schemeClr val="lt1"/>
+              </a:fontRef>
+            </p:style>
+            <p:txBody>
+              <a:bodyPr rtlCol="0" anchor="ctr"/>
+              <a:lstStyle/>
+              <a:p>
+                <a:pPr algn="ctr"/>
+                <a:r>
+                  <a:rPr lang="en-US" dirty="0" err="1"/>
+                  <a:t>client.py</a:t>
+                </a:r>
+                <a:endParaRPr lang="en-US" dirty="0"/>
+              </a:p>
+            </p:txBody>
+          </p:sp>
+          <p:grpSp>
+            <p:nvGrpSpPr>
+              <p:cNvPr id="7" name="Group 6">
+                <a:extLst>
+                  <a:ext uri="{FF2B5EF4-FFF2-40B4-BE49-F238E27FC236}">
+                    <a16:creationId xmlns:a16="http://schemas.microsoft.com/office/drawing/2014/main" id="{B7119314-3FA6-E2CE-A8D7-2D70FC33965F}"/>
+                  </a:ext>
+                </a:extLst>
+              </p:cNvPr>
+              <p:cNvGrpSpPr/>
+              <p:nvPr/>
+            </p:nvGrpSpPr>
+            <p:grpSpPr>
+              <a:xfrm>
+                <a:off x="6765075" y="1193180"/>
+                <a:ext cx="2925336" cy="2899318"/>
+                <a:chOff x="7222274" y="1193180"/>
+                <a:chExt cx="2925336" cy="2899318"/>
+              </a:xfrm>
+            </p:grpSpPr>
+            <p:sp>
+              <p:nvSpPr>
+                <p:cNvPr id="13" name="Rounded Rectangle 12">
+                  <a:extLst>
+                    <a:ext uri="{FF2B5EF4-FFF2-40B4-BE49-F238E27FC236}">
+                      <a16:creationId xmlns:a16="http://schemas.microsoft.com/office/drawing/2014/main" id="{11A8E846-4158-5C8B-3792-0D923D12FEBA}"/>
+                    </a:ext>
+                  </a:extLst>
+                </p:cNvPr>
+                <p:cNvSpPr/>
+                <p:nvPr/>
+              </p:nvSpPr>
+              <p:spPr>
+                <a:xfrm>
+                  <a:off x="7222274" y="1193180"/>
+                  <a:ext cx="2925336" cy="2899318"/>
+                </a:xfrm>
+                <a:prstGeom prst="roundRect">
+                  <a:avLst>
+                    <a:gd name="adj" fmla="val 7016"/>
+                  </a:avLst>
+                </a:prstGeom>
+                <a:noFill/>
+                <a:ln>
+                  <a:solidFill>
+                    <a:schemeClr val="tx1"/>
+                  </a:solidFill>
+                  <a:prstDash val="dash"/>
+                </a:ln>
+              </p:spPr>
+              <p:style>
+                <a:lnRef idx="2">
+                  <a:schemeClr val="accent1">
+                    <a:shade val="15000"/>
+                  </a:schemeClr>
+                </a:lnRef>
+                <a:fillRef idx="1">
+                  <a:schemeClr val="accent1"/>
+                </a:fillRef>
+                <a:effectRef idx="0">
+                  <a:schemeClr val="accent1"/>
+                </a:effectRef>
+                <a:fontRef idx="minor">
+                  <a:schemeClr val="lt1"/>
+                </a:fontRef>
+              </p:style>
+              <p:txBody>
+                <a:bodyPr rtlCol="0" anchor="b" anchorCtr="0"/>
+                <a:lstStyle/>
+                <a:p>
+                  <a:pPr algn="r"/>
+                  <a:r>
+                    <a:rPr lang="en-US" dirty="0">
+                      <a:solidFill>
+                        <a:schemeClr val="tx1"/>
+                      </a:solidFill>
+                    </a:rPr>
+                    <a:t>IP Address</a:t>
+                  </a:r>
+                </a:p>
+              </p:txBody>
+            </p:sp>
+            <p:sp>
+              <p:nvSpPr>
+                <p:cNvPr id="14" name="Rectangle 13">
+                  <a:extLst>
+                    <a:ext uri="{FF2B5EF4-FFF2-40B4-BE49-F238E27FC236}">
+                      <a16:creationId xmlns:a16="http://schemas.microsoft.com/office/drawing/2014/main" id="{22AEF7F7-27D9-1944-6828-4C244FC7A0D6}"/>
+                    </a:ext>
+                  </a:extLst>
+                </p:cNvPr>
+                <p:cNvSpPr/>
+                <p:nvPr/>
+              </p:nvSpPr>
+              <p:spPr>
+                <a:xfrm>
+                  <a:off x="7792844" y="2163337"/>
+                  <a:ext cx="1784196" cy="959003"/>
+                </a:xfrm>
+                <a:prstGeom prst="rect">
+                  <a:avLst/>
+                </a:prstGeom>
+              </p:spPr>
+              <p:style>
+                <a:lnRef idx="2">
+                  <a:schemeClr val="accent1">
+                    <a:shade val="15000"/>
+                  </a:schemeClr>
+                </a:lnRef>
+                <a:fillRef idx="1">
+                  <a:schemeClr val="accent1"/>
+                </a:fillRef>
+                <a:effectRef idx="0">
+                  <a:schemeClr val="accent1"/>
+                </a:effectRef>
+                <a:fontRef idx="minor">
+                  <a:schemeClr val="lt1"/>
+                </a:fontRef>
+              </p:style>
+              <p:txBody>
+                <a:bodyPr rtlCol="0" anchor="ctr"/>
+                <a:lstStyle/>
+                <a:p>
+                  <a:pPr algn="ctr"/>
+                  <a:r>
+                    <a:rPr lang="en-US" dirty="0" err="1"/>
+                    <a:t>server.py</a:t>
+                  </a:r>
+                  <a:endParaRPr lang="en-US" dirty="0"/>
+                </a:p>
+              </p:txBody>
+            </p:sp>
+          </p:grpSp>
+          <p:pic>
+            <p:nvPicPr>
+              <p:cNvPr id="8" name="Picture 7">
+                <a:extLst>
+                  <a:ext uri="{FF2B5EF4-FFF2-40B4-BE49-F238E27FC236}">
+                    <a16:creationId xmlns:a16="http://schemas.microsoft.com/office/drawing/2014/main" id="{9344B94D-93C2-7955-9D21-C2412030B068}"/>
+                  </a:ext>
+                </a:extLst>
+              </p:cNvPr>
+              <p:cNvPicPr>
+                <a:picLocks noChangeAspect="1"/>
+              </p:cNvPicPr>
+              <p:nvPr/>
+            </p:nvPicPr>
+            <p:blipFill>
+              <a:blip r:embed="rId2"/>
+              <a:stretch>
+                <a:fillRect/>
+              </a:stretch>
+            </p:blipFill>
+            <p:spPr>
+              <a:xfrm>
+                <a:off x="625399" y="1853579"/>
+                <a:ext cx="1578517" cy="1578517"/>
+              </a:xfrm>
+              <a:prstGeom prst="rect">
+                <a:avLst/>
+              </a:prstGeom>
+            </p:spPr>
+          </p:pic>
+          <p:cxnSp>
+            <p:nvCxnSpPr>
+              <p:cNvPr id="9" name="Straight Arrow Connector 8">
+                <a:extLst>
+                  <a:ext uri="{FF2B5EF4-FFF2-40B4-BE49-F238E27FC236}">
+                    <a16:creationId xmlns:a16="http://schemas.microsoft.com/office/drawing/2014/main" id="{96E5E6B1-B2A1-88F3-9403-1A275C1F0E54}"/>
+                  </a:ext>
+                </a:extLst>
+              </p:cNvPr>
+              <p:cNvCxnSpPr>
+                <a:cxnSpLocks/>
+                <a:stCxn id="6" idx="3"/>
+                <a:endCxn id="14" idx="1"/>
+              </p:cNvCxnSpPr>
+              <p:nvPr/>
+            </p:nvCxnSpPr>
+            <p:spPr>
+              <a:xfrm>
+                <a:off x="5062655" y="2642839"/>
+                <a:ext cx="2272990" cy="0"/>
+              </a:xfrm>
+              <a:prstGeom prst="straightConnector1">
+                <a:avLst/>
+              </a:prstGeom>
+              <a:ln w="38100">
+                <a:headEnd type="triangle"/>
+                <a:tailEnd type="triangle"/>
+              </a:ln>
+            </p:spPr>
+            <p:style>
+              <a:lnRef idx="2">
+                <a:schemeClr val="accent1"/>
+              </a:lnRef>
+              <a:fillRef idx="0">
+                <a:schemeClr val="accent1"/>
+              </a:fillRef>
+              <a:effectRef idx="1">
+                <a:schemeClr val="accent1"/>
+              </a:effectRef>
+              <a:fontRef idx="minor">
+                <a:schemeClr val="tx1"/>
+              </a:fontRef>
+            </p:style>
+          </p:cxnSp>
+          <p:sp>
+            <p:nvSpPr>
+              <p:cNvPr id="10" name="TextBox 9">
+                <a:extLst>
+                  <a:ext uri="{FF2B5EF4-FFF2-40B4-BE49-F238E27FC236}">
+                    <a16:creationId xmlns:a16="http://schemas.microsoft.com/office/drawing/2014/main" id="{CD039F2A-69A5-C023-F6EC-7F55D0860299}"/>
+                  </a:ext>
+                </a:extLst>
+              </p:cNvPr>
+              <p:cNvSpPr txBox="1"/>
+              <p:nvPr/>
+            </p:nvSpPr>
+            <p:spPr>
+              <a:xfrm>
+                <a:off x="5879838" y="2697924"/>
+                <a:ext cx="729687" cy="369332"/>
+              </a:xfrm>
+              <a:prstGeom prst="rect">
+                <a:avLst/>
+              </a:prstGeom>
+              <a:noFill/>
+            </p:spPr>
+            <p:txBody>
+              <a:bodyPr wrap="none" rtlCol="0">
+                <a:spAutoFit/>
+              </a:bodyPr>
+              <a:lstStyle/>
+              <a:p>
+                <a:r>
+                  <a:rPr lang="en-US" i="1" dirty="0" err="1"/>
+                  <a:t>gRPC</a:t>
+                </a:r>
+                <a:endParaRPr lang="en-US" i="1" dirty="0"/>
+              </a:p>
+            </p:txBody>
+          </p:sp>
+          <p:cxnSp>
+            <p:nvCxnSpPr>
+              <p:cNvPr id="11" name="Straight Arrow Connector 10">
+                <a:extLst>
+                  <a:ext uri="{FF2B5EF4-FFF2-40B4-BE49-F238E27FC236}">
+                    <a16:creationId xmlns:a16="http://schemas.microsoft.com/office/drawing/2014/main" id="{55A6ECAC-3914-EBE9-1207-0BE4216D2492}"/>
+                  </a:ext>
+                </a:extLst>
+              </p:cNvPr>
+              <p:cNvCxnSpPr>
+                <a:cxnSpLocks/>
+                <a:stCxn id="8" idx="3"/>
+                <a:endCxn id="6" idx="1"/>
+              </p:cNvCxnSpPr>
+              <p:nvPr/>
+            </p:nvCxnSpPr>
+            <p:spPr>
+              <a:xfrm>
+                <a:off x="2203916" y="2642838"/>
+                <a:ext cx="1074543" cy="1"/>
+              </a:xfrm>
+              <a:prstGeom prst="straightConnector1">
+                <a:avLst/>
+              </a:prstGeom>
+              <a:ln w="38100">
+                <a:headEnd type="triangle"/>
+                <a:tailEnd type="triangle"/>
+              </a:ln>
+            </p:spPr>
+            <p:style>
+              <a:lnRef idx="2">
+                <a:schemeClr val="accent1"/>
+              </a:lnRef>
+              <a:fillRef idx="0">
+                <a:schemeClr val="accent1"/>
+              </a:fillRef>
+              <a:effectRef idx="1">
+                <a:schemeClr val="accent1"/>
+              </a:effectRef>
+              <a:fontRef idx="minor">
+                <a:schemeClr val="tx1"/>
+              </a:fontRef>
+            </p:style>
+          </p:cxnSp>
+          <p:sp>
+            <p:nvSpPr>
+              <p:cNvPr id="12" name="TextBox 11">
+                <a:extLst>
+                  <a:ext uri="{FF2B5EF4-FFF2-40B4-BE49-F238E27FC236}">
+                    <a16:creationId xmlns:a16="http://schemas.microsoft.com/office/drawing/2014/main" id="{49BADBFE-7548-CBA3-6732-3ED216E22F48}"/>
+                  </a:ext>
+                </a:extLst>
+              </p:cNvPr>
+              <p:cNvSpPr txBox="1"/>
+              <p:nvPr/>
+            </p:nvSpPr>
+            <p:spPr>
+              <a:xfrm>
+                <a:off x="2343045" y="2697924"/>
+                <a:ext cx="729687" cy="369332"/>
+              </a:xfrm>
+              <a:prstGeom prst="rect">
+                <a:avLst/>
+              </a:prstGeom>
+              <a:noFill/>
+            </p:spPr>
+            <p:txBody>
+              <a:bodyPr wrap="none" rtlCol="0">
+                <a:spAutoFit/>
+              </a:bodyPr>
+              <a:lstStyle/>
+              <a:p>
+                <a:r>
+                  <a:rPr lang="en-US" i="1" dirty="0" err="1"/>
+                  <a:t>gRPC</a:t>
+                </a:r>
+                <a:endParaRPr lang="en-US" i="1" dirty="0"/>
+              </a:p>
+            </p:txBody>
+          </p:sp>
+        </p:grpSp>
+        <p:sp>
+          <p:nvSpPr>
+            <p:cNvPr id="15" name="Cloud 14">
+              <a:extLst>
+                <a:ext uri="{FF2B5EF4-FFF2-40B4-BE49-F238E27FC236}">
+                  <a16:creationId xmlns:a16="http://schemas.microsoft.com/office/drawing/2014/main" id="{6E8BA384-3AE4-81A6-B048-F0FAF444D7B0}"/>
+                </a:ext>
+              </a:extLst>
+            </p:cNvPr>
+            <p:cNvSpPr/>
+            <p:nvPr/>
+          </p:nvSpPr>
+          <p:spPr>
+            <a:xfrm>
+              <a:off x="10054683" y="1588741"/>
+              <a:ext cx="1542585" cy="1059365"/>
+            </a:xfrm>
+            <a:prstGeom prst="cloud">
+              <a:avLst/>
+            </a:prstGeom>
+          </p:spPr>
+          <p:style>
+            <a:lnRef idx="2">
+              <a:schemeClr val="accent1">
+                <a:shade val="15000"/>
+              </a:schemeClr>
+            </a:lnRef>
+            <a:fillRef idx="1">
+              <a:schemeClr val="accent1"/>
+            </a:fillRef>
+            <a:effectRef idx="0">
+              <a:schemeClr val="accent1"/>
+            </a:effectRef>
+            <a:fontRef idx="minor">
+              <a:schemeClr val="lt1"/>
+            </a:fontRef>
+          </p:style>
+          <p:txBody>
+            <a:bodyPr rtlCol="0" anchor="ctr"/>
+            <a:lstStyle/>
+            <a:p>
+              <a:pPr algn="ctr"/>
+              <a:r>
+                <a:rPr lang="en-US" dirty="0"/>
+                <a:t>Google</a:t>
+              </a:r>
+            </a:p>
+          </p:txBody>
+        </p:sp>
+        <p:cxnSp>
+          <p:nvCxnSpPr>
+            <p:cNvPr id="19" name="Curved Connector 18">
+              <a:extLst>
+                <a:ext uri="{FF2B5EF4-FFF2-40B4-BE49-F238E27FC236}">
+                  <a16:creationId xmlns:a16="http://schemas.microsoft.com/office/drawing/2014/main" id="{3492EAC3-6650-A5AF-8968-C7DC9E97C3B1}"/>
+                </a:ext>
+              </a:extLst>
+            </p:cNvPr>
+            <p:cNvCxnSpPr>
+              <a:stCxn id="15" idx="1"/>
+              <a:endCxn id="14" idx="0"/>
+            </p:cNvCxnSpPr>
+            <p:nvPr/>
+          </p:nvCxnSpPr>
+          <p:spPr>
+            <a:xfrm rot="5400000">
+              <a:off x="9444366" y="2565920"/>
+              <a:ext cx="1300553" cy="1462668"/>
+            </a:xfrm>
+            <a:prstGeom prst="curvedConnector3">
+              <a:avLst/>
+            </a:prstGeom>
+            <a:ln w="38100">
+              <a:tailEnd type="triangle"/>
+            </a:ln>
+          </p:spPr>
+          <p:style>
+            <a:lnRef idx="2">
+              <a:schemeClr val="accent1"/>
+            </a:lnRef>
+            <a:fillRef idx="0">
+              <a:schemeClr val="accent1"/>
+            </a:fillRef>
+            <a:effectRef idx="1">
+              <a:schemeClr val="accent1"/>
+            </a:effectRef>
+            <a:fontRef idx="minor">
+              <a:schemeClr val="tx1"/>
+            </a:fontRef>
+          </p:style>
+        </p:cxnSp>
+        <p:sp>
+          <p:nvSpPr>
+            <p:cNvPr id="20" name="TextBox 19">
+              <a:extLst>
+                <a:ext uri="{FF2B5EF4-FFF2-40B4-BE49-F238E27FC236}">
+                  <a16:creationId xmlns:a16="http://schemas.microsoft.com/office/drawing/2014/main" id="{851A5270-CA05-9184-2CA4-FFCC9FCE48F0}"/>
+                </a:ext>
+              </a:extLst>
+            </p:cNvPr>
+            <p:cNvSpPr txBox="1"/>
+            <p:nvPr/>
+          </p:nvSpPr>
+          <p:spPr>
+            <a:xfrm>
+              <a:off x="9890562" y="3284792"/>
+              <a:ext cx="632033" cy="369332"/>
+            </a:xfrm>
+            <a:prstGeom prst="rect">
+              <a:avLst/>
+            </a:prstGeom>
+            <a:noFill/>
+          </p:spPr>
+          <p:txBody>
+            <a:bodyPr wrap="none" rtlCol="0">
+              <a:spAutoFit/>
+            </a:bodyPr>
+            <a:lstStyle/>
+            <a:p>
+              <a:r>
+                <a:rPr lang="en-US" i="1" dirty="0"/>
+                <a:t>DVC</a:t>
+              </a:r>
+            </a:p>
+          </p:txBody>
+        </p:sp>
+      </p:grpSp>
+    </p:spTree>
+    <p:extLst>
+      <p:ext uri="{BB962C8B-B14F-4D97-AF65-F5344CB8AC3E}">
+        <p14:creationId xmlns:p14="http://schemas.microsoft.com/office/powerpoint/2010/main" val="514023208"/>
       </p:ext>
     </p:extLst>
   </p:cSld>
